--- a/2024hydra/Hydra_poster.pptx
+++ b/2024hydra/Hydra_poster.pptx
@@ -199,7 +199,7 @@
           <a:p>
             <a:fld id="{4C23849B-5E29-4DD1-B1E7-CEC4E01684E9}" type="datetimeFigureOut">
               <a:rPr lang="zh-CN" altLang="en-US" smtClean="0"/>
-              <a:t>2024/11/25</a:t>
+              <a:t>2025/10/24</a:t>
             </a:fld>
             <a:endParaRPr lang="zh-CN" altLang="en-US"/>
           </a:p>
@@ -697,7 +697,7 @@
           <a:p>
             <a:fld id="{D298D6A8-22DA-4CFC-AA61-FFA3C3542D51}" type="datetimeFigureOut">
               <a:rPr lang="en-US" smtClean="0"/>
-              <a:t>11/25/2024</a:t>
+              <a:t>10/24/2025</a:t>
             </a:fld>
             <a:endParaRPr lang="en-US"/>
           </a:p>
@@ -895,7 +895,7 @@
           <a:p>
             <a:fld id="{D298D6A8-22DA-4CFC-AA61-FFA3C3542D51}" type="datetimeFigureOut">
               <a:rPr lang="en-US" smtClean="0"/>
-              <a:t>11/25/2024</a:t>
+              <a:t>10/24/2025</a:t>
             </a:fld>
             <a:endParaRPr lang="en-US"/>
           </a:p>
@@ -1103,7 +1103,7 @@
           <a:p>
             <a:fld id="{D298D6A8-22DA-4CFC-AA61-FFA3C3542D51}" type="datetimeFigureOut">
               <a:rPr lang="en-US" smtClean="0"/>
-              <a:t>11/25/2024</a:t>
+              <a:t>10/24/2025</a:t>
             </a:fld>
             <a:endParaRPr lang="en-US"/>
           </a:p>
@@ -1323,7 +1323,7 @@
           <a:p>
             <a:fld id="{0196DE77-F393-425F-B5C6-A733350DBF5B}" type="datetimeFigureOut">
               <a:rPr lang="en-US" smtClean="0"/>
-              <a:t>11/25/2024</a:t>
+              <a:t>10/24/2025</a:t>
             </a:fld>
             <a:endParaRPr lang="en-US"/>
           </a:p>
@@ -1521,7 +1521,7 @@
           <a:p>
             <a:fld id="{0196DE77-F393-425F-B5C6-A733350DBF5B}" type="datetimeFigureOut">
               <a:rPr lang="en-US" smtClean="0"/>
-              <a:t>11/25/2024</a:t>
+              <a:t>10/24/2025</a:t>
             </a:fld>
             <a:endParaRPr lang="en-US"/>
           </a:p>
@@ -1796,7 +1796,7 @@
           <a:p>
             <a:fld id="{0196DE77-F393-425F-B5C6-A733350DBF5B}" type="datetimeFigureOut">
               <a:rPr lang="en-US" smtClean="0"/>
-              <a:t>11/25/2024</a:t>
+              <a:t>10/24/2025</a:t>
             </a:fld>
             <a:endParaRPr lang="en-US"/>
           </a:p>
@@ -2061,7 +2061,7 @@
           <a:p>
             <a:fld id="{0196DE77-F393-425F-B5C6-A733350DBF5B}" type="datetimeFigureOut">
               <a:rPr lang="en-US" smtClean="0"/>
-              <a:t>11/25/2024</a:t>
+              <a:t>10/24/2025</a:t>
             </a:fld>
             <a:endParaRPr lang="en-US"/>
           </a:p>
@@ -2473,7 +2473,7 @@
           <a:p>
             <a:fld id="{0196DE77-F393-425F-B5C6-A733350DBF5B}" type="datetimeFigureOut">
               <a:rPr lang="en-US" smtClean="0"/>
-              <a:t>11/25/2024</a:t>
+              <a:t>10/24/2025</a:t>
             </a:fld>
             <a:endParaRPr lang="en-US"/>
           </a:p>
@@ -2614,7 +2614,7 @@
           <a:p>
             <a:fld id="{0196DE77-F393-425F-B5C6-A733350DBF5B}" type="datetimeFigureOut">
               <a:rPr lang="en-US" smtClean="0"/>
-              <a:t>11/25/2024</a:t>
+              <a:t>10/24/2025</a:t>
             </a:fld>
             <a:endParaRPr lang="en-US"/>
           </a:p>
@@ -2727,7 +2727,7 @@
           <a:p>
             <a:fld id="{0196DE77-F393-425F-B5C6-A733350DBF5B}" type="datetimeFigureOut">
               <a:rPr lang="en-US" smtClean="0"/>
-              <a:t>11/25/2024</a:t>
+              <a:t>10/24/2025</a:t>
             </a:fld>
             <a:endParaRPr lang="en-US"/>
           </a:p>
@@ -3038,7 +3038,7 @@
           <a:p>
             <a:fld id="{0196DE77-F393-425F-B5C6-A733350DBF5B}" type="datetimeFigureOut">
               <a:rPr lang="en-US" smtClean="0"/>
-              <a:t>11/25/2024</a:t>
+              <a:t>10/24/2025</a:t>
             </a:fld>
             <a:endParaRPr lang="en-US"/>
           </a:p>
@@ -3236,7 +3236,7 @@
           <a:p>
             <a:fld id="{D298D6A8-22DA-4CFC-AA61-FFA3C3542D51}" type="datetimeFigureOut">
               <a:rPr lang="en-US" smtClean="0"/>
-              <a:t>11/25/2024</a:t>
+              <a:t>10/24/2025</a:t>
             </a:fld>
             <a:endParaRPr lang="en-US"/>
           </a:p>
@@ -3524,7 +3524,7 @@
           <a:p>
             <a:fld id="{0196DE77-F393-425F-B5C6-A733350DBF5B}" type="datetimeFigureOut">
               <a:rPr lang="en-US" smtClean="0"/>
-              <a:t>11/25/2024</a:t>
+              <a:t>10/24/2025</a:t>
             </a:fld>
             <a:endParaRPr lang="en-US"/>
           </a:p>
@@ -3722,7 +3722,7 @@
           <a:p>
             <a:fld id="{0196DE77-F393-425F-B5C6-A733350DBF5B}" type="datetimeFigureOut">
               <a:rPr lang="en-US" smtClean="0"/>
-              <a:t>11/25/2024</a:t>
+              <a:t>10/24/2025</a:t>
             </a:fld>
             <a:endParaRPr lang="en-US"/>
           </a:p>
@@ -3930,7 +3930,7 @@
           <a:p>
             <a:fld id="{0196DE77-F393-425F-B5C6-A733350DBF5B}" type="datetimeFigureOut">
               <a:rPr lang="en-US" smtClean="0"/>
-              <a:t>11/25/2024</a:t>
+              <a:t>10/24/2025</a:t>
             </a:fld>
             <a:endParaRPr lang="en-US"/>
           </a:p>
@@ -5423,7 +5423,7 @@
           <a:p>
             <a:fld id="{D298D6A8-22DA-4CFC-AA61-FFA3C3542D51}" type="datetimeFigureOut">
               <a:rPr lang="en-US" smtClean="0"/>
-              <a:t>11/25/2024</a:t>
+              <a:t>10/24/2025</a:t>
             </a:fld>
             <a:endParaRPr lang="en-US"/>
           </a:p>
@@ -5862,7 +5862,7 @@
           <a:p>
             <a:fld id="{D298D6A8-22DA-4CFC-AA61-FFA3C3542D51}" type="datetimeFigureOut">
               <a:rPr lang="en-US" smtClean="0"/>
-              <a:t>11/25/2024</a:t>
+              <a:t>10/24/2025</a:t>
             </a:fld>
             <a:endParaRPr lang="en-US"/>
           </a:p>
@@ -6274,7 +6274,7 @@
           <a:p>
             <a:fld id="{D298D6A8-22DA-4CFC-AA61-FFA3C3542D51}" type="datetimeFigureOut">
               <a:rPr lang="en-US" smtClean="0"/>
-              <a:t>11/25/2024</a:t>
+              <a:t>10/24/2025</a:t>
             </a:fld>
             <a:endParaRPr lang="en-US"/>
           </a:p>
@@ -6415,7 +6415,7 @@
           <a:p>
             <a:fld id="{D298D6A8-22DA-4CFC-AA61-FFA3C3542D51}" type="datetimeFigureOut">
               <a:rPr lang="en-US" smtClean="0"/>
-              <a:t>11/25/2024</a:t>
+              <a:t>10/24/2025</a:t>
             </a:fld>
             <a:endParaRPr lang="en-US"/>
           </a:p>
@@ -6528,7 +6528,7 @@
           <a:p>
             <a:fld id="{D298D6A8-22DA-4CFC-AA61-FFA3C3542D51}" type="datetimeFigureOut">
               <a:rPr lang="en-US" smtClean="0"/>
-              <a:t>11/25/2024</a:t>
+              <a:t>10/24/2025</a:t>
             </a:fld>
             <a:endParaRPr lang="en-US"/>
           </a:p>
@@ -6839,7 +6839,7 @@
           <a:p>
             <a:fld id="{D298D6A8-22DA-4CFC-AA61-FFA3C3542D51}" type="datetimeFigureOut">
               <a:rPr lang="en-US" smtClean="0"/>
-              <a:t>11/25/2024</a:t>
+              <a:t>10/24/2025</a:t>
             </a:fld>
             <a:endParaRPr lang="en-US"/>
           </a:p>
@@ -7127,7 +7127,7 @@
           <a:p>
             <a:fld id="{D298D6A8-22DA-4CFC-AA61-FFA3C3542D51}" type="datetimeFigureOut">
               <a:rPr lang="en-US" smtClean="0"/>
-              <a:t>11/25/2024</a:t>
+              <a:t>10/24/2025</a:t>
             </a:fld>
             <a:endParaRPr lang="en-US"/>
           </a:p>
@@ -7368,7 +7368,7 @@
           <a:p>
             <a:fld id="{D298D6A8-22DA-4CFC-AA61-FFA3C3542D51}" type="datetimeFigureOut">
               <a:rPr lang="en-US" smtClean="0"/>
-              <a:t>11/25/2024</a:t>
+              <a:t>10/24/2025</a:t>
             </a:fld>
             <a:endParaRPr lang="en-US"/>
           </a:p>
@@ -7936,7 +7936,7 @@
           <a:p>
             <a:fld id="{0196DE77-F393-425F-B5C6-A733350DBF5B}" type="datetimeFigureOut">
               <a:rPr lang="en-US" smtClean="0"/>
-              <a:t>11/25/2024</a:t>
+              <a:t>10/24/2025</a:t>
             </a:fld>
             <a:endParaRPr lang="en-US"/>
           </a:p>
